--- a/資料/ゲーム概要.pptx
+++ b/資料/ゲーム概要.pptx
@@ -315,7 +315,7 @@
           <a:p>
             <a:fld id="{325A2F1E-B45F-4464-AA66-C0F97753266E}" type="datetimeFigureOut">
               <a:rPr kumimoji="1" lang="ja-JP" altLang="en-US" smtClean="0"/>
-              <a:t>2021/2/16</a:t>
+              <a:t>2021/2/21</a:t>
             </a:fld>
             <a:endParaRPr kumimoji="1" lang="ja-JP" altLang="en-US"/>
           </a:p>
@@ -537,7 +537,7 @@
           <a:p>
             <a:fld id="{325A2F1E-B45F-4464-AA66-C0F97753266E}" type="datetimeFigureOut">
               <a:rPr kumimoji="1" lang="ja-JP" altLang="en-US" smtClean="0"/>
-              <a:t>2021/2/16</a:t>
+              <a:t>2021/2/21</a:t>
             </a:fld>
             <a:endParaRPr kumimoji="1" lang="ja-JP" altLang="en-US"/>
           </a:p>
@@ -749,7 +749,7 @@
           <a:p>
             <a:fld id="{325A2F1E-B45F-4464-AA66-C0F97753266E}" type="datetimeFigureOut">
               <a:rPr kumimoji="1" lang="ja-JP" altLang="en-US" smtClean="0"/>
-              <a:t>2021/2/16</a:t>
+              <a:t>2021/2/21</a:t>
             </a:fld>
             <a:endParaRPr kumimoji="1" lang="ja-JP" altLang="en-US"/>
           </a:p>
@@ -951,7 +951,7 @@
           <a:p>
             <a:fld id="{325A2F1E-B45F-4464-AA66-C0F97753266E}" type="datetimeFigureOut">
               <a:rPr kumimoji="1" lang="ja-JP" altLang="en-US" smtClean="0"/>
-              <a:t>2021/2/16</a:t>
+              <a:t>2021/2/21</a:t>
             </a:fld>
             <a:endParaRPr kumimoji="1" lang="ja-JP" altLang="en-US"/>
           </a:p>
@@ -1207,7 +1207,7 @@
           <a:p>
             <a:fld id="{325A2F1E-B45F-4464-AA66-C0F97753266E}" type="datetimeFigureOut">
               <a:rPr kumimoji="1" lang="ja-JP" altLang="en-US" smtClean="0"/>
-              <a:t>2021/2/16</a:t>
+              <a:t>2021/2/21</a:t>
             </a:fld>
             <a:endParaRPr kumimoji="1" lang="ja-JP" altLang="en-US"/>
           </a:p>
@@ -1559,7 +1559,7 @@
           <a:p>
             <a:fld id="{325A2F1E-B45F-4464-AA66-C0F97753266E}" type="datetimeFigureOut">
               <a:rPr kumimoji="1" lang="ja-JP" altLang="en-US" smtClean="0"/>
-              <a:t>2021/2/16</a:t>
+              <a:t>2021/2/21</a:t>
             </a:fld>
             <a:endParaRPr kumimoji="1" lang="ja-JP" altLang="en-US"/>
           </a:p>
@@ -2061,7 +2061,7 @@
           <a:p>
             <a:fld id="{325A2F1E-B45F-4464-AA66-C0F97753266E}" type="datetimeFigureOut">
               <a:rPr kumimoji="1" lang="ja-JP" altLang="en-US" smtClean="0"/>
-              <a:t>2021/2/16</a:t>
+              <a:t>2021/2/21</a:t>
             </a:fld>
             <a:endParaRPr kumimoji="1" lang="ja-JP" altLang="en-US"/>
           </a:p>
@@ -2179,7 +2179,7 @@
           <a:p>
             <a:fld id="{325A2F1E-B45F-4464-AA66-C0F97753266E}" type="datetimeFigureOut">
               <a:rPr kumimoji="1" lang="ja-JP" altLang="en-US" smtClean="0"/>
-              <a:t>2021/2/16</a:t>
+              <a:t>2021/2/21</a:t>
             </a:fld>
             <a:endParaRPr kumimoji="1" lang="ja-JP" altLang="en-US"/>
           </a:p>
@@ -2274,7 +2274,7 @@
           <a:p>
             <a:fld id="{325A2F1E-B45F-4464-AA66-C0F97753266E}" type="datetimeFigureOut">
               <a:rPr kumimoji="1" lang="ja-JP" altLang="en-US" smtClean="0"/>
-              <a:t>2021/2/16</a:t>
+              <a:t>2021/2/21</a:t>
             </a:fld>
             <a:endParaRPr kumimoji="1" lang="ja-JP" altLang="en-US"/>
           </a:p>
@@ -2662,7 +2662,7 @@
           <a:p>
             <a:fld id="{325A2F1E-B45F-4464-AA66-C0F97753266E}" type="datetimeFigureOut">
               <a:rPr kumimoji="1" lang="ja-JP" altLang="en-US" smtClean="0"/>
-              <a:t>2021/2/16</a:t>
+              <a:t>2021/2/21</a:t>
             </a:fld>
             <a:endParaRPr kumimoji="1" lang="ja-JP" altLang="en-US"/>
           </a:p>
@@ -2978,7 +2978,7 @@
           <a:p>
             <a:fld id="{325A2F1E-B45F-4464-AA66-C0F97753266E}" type="datetimeFigureOut">
               <a:rPr kumimoji="1" lang="ja-JP" altLang="en-US" smtClean="0"/>
-              <a:t>2021/2/16</a:t>
+              <a:t>2021/2/21</a:t>
             </a:fld>
             <a:endParaRPr kumimoji="1" lang="ja-JP" altLang="en-US"/>
           </a:p>
@@ -3243,7 +3243,7 @@
           <a:p>
             <a:fld id="{325A2F1E-B45F-4464-AA66-C0F97753266E}" type="datetimeFigureOut">
               <a:rPr kumimoji="1" lang="ja-JP" altLang="en-US" smtClean="0"/>
-              <a:t>2021/2/16</a:t>
+              <a:t>2021/2/21</a:t>
             </a:fld>
             <a:endParaRPr kumimoji="1" lang="ja-JP" altLang="en-US"/>
           </a:p>
@@ -3737,8 +3737,8 @@
         </p:nvSpPr>
         <p:spPr>
           <a:xfrm>
-            <a:off x="838200" y="1376039"/>
-            <a:ext cx="10515600" cy="4800924"/>
+            <a:off x="838200" y="1376038"/>
+            <a:ext cx="10515600" cy="5246703"/>
           </a:xfrm>
         </p:spPr>
         <p:txBody>
@@ -3908,7 +3908,29 @@
             </a:pPr>
             <a:r>
               <a:rPr lang="ja-JP" altLang="en-US" sz="2800" dirty="0"/>
-              <a:t>７．制限時間内にどれだけゴミを回収できるかで</a:t>
+              <a:t>７．</a:t>
+            </a:r>
+            <a:r>
+              <a:rPr lang="ja-JP" altLang="en-US" sz="2800" b="1" dirty="0">
+                <a:solidFill>
+                  <a:srgbClr val="FF0000"/>
+                </a:solidFill>
+              </a:rPr>
+              <a:t>ゴミを５個一気に捨てる</a:t>
+            </a:r>
+            <a:r>
+              <a:rPr lang="ja-JP" altLang="en-US" sz="2800" dirty="0"/>
+              <a:t>とタイムが加算される</a:t>
+            </a:r>
+            <a:endParaRPr lang="en-US" altLang="ja-JP" sz="2800" dirty="0"/>
+          </a:p>
+          <a:p>
+            <a:pPr marL="0" indent="0" algn="l">
+              <a:buNone/>
+            </a:pPr>
+            <a:r>
+              <a:rPr lang="ja-JP" altLang="en-US" sz="2800" dirty="0"/>
+              <a:t>８．制限時間内にどれだけゴミを回収できるかで</a:t>
             </a:r>
             <a:r>
               <a:rPr lang="ja-JP" altLang="en-US" sz="2800" b="1" dirty="0">
